--- a/Python course presentation 18 Dec 2017.pptx
+++ b/Python course presentation 18 Dec 2017.pptx
@@ -14,6 +14,19 @@
     <p:sldId id="261" r:id="rId8"/>
     <p:sldId id="263" r:id="rId9"/>
     <p:sldId id="265" r:id="rId10"/>
+    <p:sldId id="266" r:id="rId11"/>
+    <p:sldId id="267" r:id="rId12"/>
+    <p:sldId id="268" r:id="rId13"/>
+    <p:sldId id="269" r:id="rId14"/>
+    <p:sldId id="278" r:id="rId15"/>
+    <p:sldId id="270" r:id="rId16"/>
+    <p:sldId id="271" r:id="rId17"/>
+    <p:sldId id="277" r:id="rId18"/>
+    <p:sldId id="273" r:id="rId19"/>
+    <p:sldId id="272" r:id="rId20"/>
+    <p:sldId id="274" r:id="rId21"/>
+    <p:sldId id="275" r:id="rId22"/>
+    <p:sldId id="276" r:id="rId23"/>
   </p:sldIdLst>
   <p:sldSz cx="12192000" cy="6858000"/>
   <p:notesSz cx="6858000" cy="9144000"/>
@@ -3466,6 +3479,1550 @@
 </p:sld>
 </file>
 
+<file path=ppt/slides/slide10.xml><?xml version="1.0" encoding="utf-8"?>
+<p:sld xmlns:a="http://schemas.openxmlformats.org/drawingml/2006/main" xmlns:r="http://schemas.openxmlformats.org/officeDocument/2006/relationships" xmlns:p="http://schemas.openxmlformats.org/presentationml/2006/main">
+  <p:cSld>
+    <p:spTree>
+      <p:nvGrpSpPr>
+        <p:cNvPr id="1" name=""/>
+        <p:cNvGrpSpPr/>
+        <p:nvPr/>
+      </p:nvGrpSpPr>
+      <p:grpSpPr>
+        <a:xfrm>
+          <a:off x="0" y="0"/>
+          <a:ext cx="0" cy="0"/>
+          <a:chOff x="0" y="0"/>
+          <a:chExt cx="0" cy="0"/>
+        </a:xfrm>
+      </p:grpSpPr>
+      <p:sp>
+        <p:nvSpPr>
+          <p:cNvPr id="2" name="Tittel 1">
+            <a:extLst>
+              <a:ext uri="{FF2B5EF4-FFF2-40B4-BE49-F238E27FC236}">
+                <a16:creationId xmlns:a16="http://schemas.microsoft.com/office/drawing/2014/main" id="{199E58A6-63F1-41D2-B5EC-0A4697C6E3A2}"/>
+              </a:ext>
+            </a:extLst>
+          </p:cNvPr>
+          <p:cNvSpPr>
+            <a:spLocks noGrp="1"/>
+          </p:cNvSpPr>
+          <p:nvPr>
+            <p:ph type="title"/>
+          </p:nvPr>
+        </p:nvSpPr>
+        <p:spPr/>
+        <p:txBody>
+          <a:bodyPr/>
+          <a:lstStyle/>
+          <a:p>
+            <a:r>
+              <a:rPr lang="nb-NO"/>
+              <a:t>Agenda</a:t>
+            </a:r>
+          </a:p>
+        </p:txBody>
+      </p:sp>
+      <p:sp>
+        <p:nvSpPr>
+          <p:cNvPr id="3" name="Plassholder for innhold 2">
+            <a:extLst>
+              <a:ext uri="{FF2B5EF4-FFF2-40B4-BE49-F238E27FC236}">
+                <a16:creationId xmlns:a16="http://schemas.microsoft.com/office/drawing/2014/main" id="{871189EF-BA0D-4924-A6A1-7E2FC89328CD}"/>
+              </a:ext>
+            </a:extLst>
+          </p:cNvPr>
+          <p:cNvSpPr>
+            <a:spLocks noGrp="1"/>
+          </p:cNvSpPr>
+          <p:nvPr>
+            <p:ph idx="1"/>
+          </p:nvPr>
+        </p:nvSpPr>
+        <p:spPr/>
+        <p:txBody>
+          <a:bodyPr/>
+          <a:lstStyle/>
+          <a:p>
+            <a:pPr marL="0" indent="0">
+              <a:buNone/>
+            </a:pPr>
+            <a:r>
+              <a:rPr lang="nb-NO"/>
+              <a:t>0.   The What, Why and How of Python</a:t>
+            </a:r>
+          </a:p>
+          <a:p>
+            <a:pPr marL="514350" indent="-514350">
+              <a:buFont typeface="+mj-lt"/>
+              <a:buAutoNum type="arabicPeriod"/>
+            </a:pPr>
+            <a:r>
+              <a:rPr lang="nb-NO"/>
+              <a:t>Python download and setup</a:t>
+            </a:r>
+          </a:p>
+          <a:p>
+            <a:pPr marL="514350" indent="-514350">
+              <a:buFont typeface="+mj-lt"/>
+              <a:buAutoNum type="arabicPeriod"/>
+            </a:pPr>
+            <a:r>
+              <a:rPr lang="nb-NO" b="1"/>
+              <a:t>Jupyter Notebook</a:t>
+            </a:r>
+          </a:p>
+          <a:p>
+            <a:pPr marL="514350" indent="-514350">
+              <a:buFont typeface="+mj-lt"/>
+              <a:buAutoNum type="arabicPeriod"/>
+            </a:pPr>
+            <a:r>
+              <a:rPr lang="nb-NO"/>
+              <a:t>Basic Python syntax</a:t>
+            </a:r>
+          </a:p>
+          <a:p>
+            <a:pPr marL="514350" indent="-514350">
+              <a:buFont typeface="+mj-lt"/>
+              <a:buAutoNum type="arabicPeriod"/>
+            </a:pPr>
+            <a:r>
+              <a:rPr lang="nb-NO"/>
+              <a:t>Core data science libraries</a:t>
+            </a:r>
+          </a:p>
+          <a:p>
+            <a:pPr marL="514350" indent="-514350">
+              <a:buFont typeface="+mj-lt"/>
+              <a:buAutoNum type="arabicPeriod"/>
+            </a:pPr>
+            <a:r>
+              <a:rPr lang="nb-NO"/>
+              <a:t>Machine learning case</a:t>
+            </a:r>
+          </a:p>
+          <a:p>
+            <a:pPr marL="514350" indent="-514350">
+              <a:buFont typeface="+mj-lt"/>
+              <a:buAutoNum type="arabicPeriod"/>
+            </a:pPr>
+            <a:r>
+              <a:rPr lang="nb-NO"/>
+              <a:t>Brief introduction to NLP (if time)</a:t>
+            </a:r>
+          </a:p>
+          <a:p>
+            <a:pPr marL="514350" indent="-514350">
+              <a:buFont typeface="+mj-lt"/>
+              <a:buAutoNum type="arabicPeriod"/>
+            </a:pPr>
+            <a:endParaRPr lang="nb-NO"/>
+          </a:p>
+          <a:p>
+            <a:pPr marL="514350" indent="-514350">
+              <a:buFont typeface="+mj-lt"/>
+              <a:buAutoNum type="arabicPeriod"/>
+            </a:pPr>
+            <a:endParaRPr lang="nb-NO"/>
+          </a:p>
+        </p:txBody>
+      </p:sp>
+    </p:spTree>
+    <p:extLst>
+      <p:ext uri="{BB962C8B-B14F-4D97-AF65-F5344CB8AC3E}">
+        <p14:creationId xmlns:p14="http://schemas.microsoft.com/office/powerpoint/2010/main" val="2513368138"/>
+      </p:ext>
+    </p:extLst>
+  </p:cSld>
+  <p:clrMapOvr>
+    <a:masterClrMapping/>
+  </p:clrMapOvr>
+</p:sld>
+</file>
+
+<file path=ppt/slides/slide11.xml><?xml version="1.0" encoding="utf-8"?>
+<p:sld xmlns:a="http://schemas.openxmlformats.org/drawingml/2006/main" xmlns:r="http://schemas.openxmlformats.org/officeDocument/2006/relationships" xmlns:p="http://schemas.openxmlformats.org/presentationml/2006/main">
+  <p:cSld>
+    <p:spTree>
+      <p:nvGrpSpPr>
+        <p:cNvPr id="1" name=""/>
+        <p:cNvGrpSpPr/>
+        <p:nvPr/>
+      </p:nvGrpSpPr>
+      <p:grpSpPr>
+        <a:xfrm>
+          <a:off x="0" y="0"/>
+          <a:ext cx="0" cy="0"/>
+          <a:chOff x="0" y="0"/>
+          <a:chExt cx="0" cy="0"/>
+        </a:xfrm>
+      </p:grpSpPr>
+      <p:sp>
+        <p:nvSpPr>
+          <p:cNvPr id="2" name="Tittel 1">
+            <a:extLst>
+              <a:ext uri="{FF2B5EF4-FFF2-40B4-BE49-F238E27FC236}">
+                <a16:creationId xmlns:a16="http://schemas.microsoft.com/office/drawing/2014/main" id="{F5FEC803-C4D3-431E-A972-5883770307A4}"/>
+              </a:ext>
+            </a:extLst>
+          </p:cNvPr>
+          <p:cNvSpPr>
+            <a:spLocks noGrp="1"/>
+          </p:cNvSpPr>
+          <p:nvPr>
+            <p:ph type="title"/>
+          </p:nvPr>
+        </p:nvSpPr>
+        <p:spPr/>
+        <p:txBody>
+          <a:bodyPr/>
+          <a:lstStyle/>
+          <a:p>
+            <a:r>
+              <a:rPr lang="nb-NO"/>
+              <a:t>Jupyter Notebook</a:t>
+            </a:r>
+          </a:p>
+        </p:txBody>
+      </p:sp>
+      <p:sp>
+        <p:nvSpPr>
+          <p:cNvPr id="3" name="Plassholder for innhold 2">
+            <a:extLst>
+              <a:ext uri="{FF2B5EF4-FFF2-40B4-BE49-F238E27FC236}">
+                <a16:creationId xmlns:a16="http://schemas.microsoft.com/office/drawing/2014/main" id="{821F4C72-D0AE-4061-9C1F-7EDC6FAF4EA8}"/>
+              </a:ext>
+            </a:extLst>
+          </p:cNvPr>
+          <p:cNvSpPr>
+            <a:spLocks noGrp="1"/>
+          </p:cNvSpPr>
+          <p:nvPr>
+            <p:ph idx="1"/>
+          </p:nvPr>
+        </p:nvSpPr>
+        <p:spPr/>
+        <p:txBody>
+          <a:bodyPr/>
+          <a:lstStyle/>
+          <a:p>
+            <a:r>
+              <a:rPr lang="nb-NO"/>
+              <a:t>Short for Julia/Python/R.</a:t>
+            </a:r>
+          </a:p>
+          <a:p>
+            <a:r>
+              <a:rPr lang="nb-NO"/>
+              <a:t>IDE with </a:t>
+            </a:r>
+            <a:r>
+              <a:rPr lang="nb-NO" b="1"/>
+              <a:t>REPL </a:t>
+            </a:r>
+            <a:r>
+              <a:rPr lang="nb-NO"/>
+              <a:t>environment that runs in the </a:t>
+            </a:r>
+            <a:r>
+              <a:rPr lang="nb-NO" b="1"/>
+              <a:t>browser</a:t>
+            </a:r>
+            <a:r>
+              <a:rPr lang="nb-NO"/>
+              <a:t>.</a:t>
+            </a:r>
+          </a:p>
+          <a:p>
+            <a:r>
+              <a:rPr lang="nb-NO"/>
+              <a:t>Comes preinstalled with Anaconda.</a:t>
+            </a:r>
+          </a:p>
+          <a:p>
+            <a:r>
+              <a:rPr lang="nb-NO"/>
+              <a:t>Run with the console command </a:t>
+            </a:r>
+            <a:r>
+              <a:rPr lang="nb-NO" b="1" i="1"/>
+              <a:t>jupyter-notebook</a:t>
+            </a:r>
+            <a:r>
+              <a:rPr lang="nb-NO"/>
+              <a:t>.</a:t>
+            </a:r>
+          </a:p>
+          <a:p>
+            <a:r>
+              <a:rPr lang="nb-NO"/>
+              <a:t>Magic commands: </a:t>
+            </a:r>
+            <a:r>
+              <a:rPr lang="nb-NO">
+                <a:hlinkClick r:id="rId2"/>
+              </a:rPr>
+              <a:t>http://ipython.readthedocs.io/en/stable/interactive/magics.html</a:t>
+            </a:r>
+            <a:endParaRPr lang="nb-NO"/>
+          </a:p>
+          <a:p>
+            <a:endParaRPr lang="nb-NO" b="1"/>
+          </a:p>
+        </p:txBody>
+      </p:sp>
+      <p:pic>
+        <p:nvPicPr>
+          <p:cNvPr id="4098" name="Picture 2" descr="Bilderesultat for jupyter notebook logo">
+            <a:extLst>
+              <a:ext uri="{FF2B5EF4-FFF2-40B4-BE49-F238E27FC236}">
+                <a16:creationId xmlns:a16="http://schemas.microsoft.com/office/drawing/2014/main" id="{6195B3AE-096A-44DC-BE2E-37BCD4A235F2}"/>
+              </a:ext>
+            </a:extLst>
+          </p:cNvPr>
+          <p:cNvPicPr>
+            <a:picLocks noChangeAspect="1" noChangeArrowheads="1"/>
+          </p:cNvPicPr>
+          <p:nvPr/>
+        </p:nvPicPr>
+        <p:blipFill>
+          <a:blip r:embed="rId3">
+            <a:extLst>
+              <a:ext uri="{28A0092B-C50C-407E-A947-70E740481C1C}">
+                <a14:useLocalDpi xmlns:a14="http://schemas.microsoft.com/office/drawing/2010/main" val="0"/>
+              </a:ext>
+            </a:extLst>
+          </a:blip>
+          <a:srcRect/>
+          <a:stretch>
+            <a:fillRect/>
+          </a:stretch>
+        </p:blipFill>
+        <p:spPr bwMode="auto">
+          <a:xfrm>
+            <a:off x="9090051" y="365125"/>
+            <a:ext cx="1598201" cy="1598201"/>
+          </a:xfrm>
+          <a:prstGeom prst="rect">
+            <a:avLst/>
+          </a:prstGeom>
+          <a:noFill/>
+          <a:extLst>
+            <a:ext uri="{909E8E84-426E-40DD-AFC4-6F175D3DCCD1}">
+              <a14:hiddenFill xmlns:a14="http://schemas.microsoft.com/office/drawing/2010/main">
+                <a:solidFill>
+                  <a:srgbClr val="FFFFFF"/>
+                </a:solidFill>
+              </a14:hiddenFill>
+            </a:ext>
+          </a:extLst>
+        </p:spPr>
+      </p:pic>
+    </p:spTree>
+    <p:extLst>
+      <p:ext uri="{BB962C8B-B14F-4D97-AF65-F5344CB8AC3E}">
+        <p14:creationId xmlns:p14="http://schemas.microsoft.com/office/powerpoint/2010/main" val="2116898600"/>
+      </p:ext>
+    </p:extLst>
+  </p:cSld>
+  <p:clrMapOvr>
+    <a:masterClrMapping/>
+  </p:clrMapOvr>
+</p:sld>
+</file>
+
+<file path=ppt/slides/slide12.xml><?xml version="1.0" encoding="utf-8"?>
+<p:sld xmlns:a="http://schemas.openxmlformats.org/drawingml/2006/main" xmlns:r="http://schemas.openxmlformats.org/officeDocument/2006/relationships" xmlns:p="http://schemas.openxmlformats.org/presentationml/2006/main">
+  <p:cSld>
+    <p:spTree>
+      <p:nvGrpSpPr>
+        <p:cNvPr id="1" name=""/>
+        <p:cNvGrpSpPr/>
+        <p:nvPr/>
+      </p:nvGrpSpPr>
+      <p:grpSpPr>
+        <a:xfrm>
+          <a:off x="0" y="0"/>
+          <a:ext cx="0" cy="0"/>
+          <a:chOff x="0" y="0"/>
+          <a:chExt cx="0" cy="0"/>
+        </a:xfrm>
+      </p:grpSpPr>
+      <p:sp>
+        <p:nvSpPr>
+          <p:cNvPr id="2" name="Tittel 1">
+            <a:extLst>
+              <a:ext uri="{FF2B5EF4-FFF2-40B4-BE49-F238E27FC236}">
+                <a16:creationId xmlns:a16="http://schemas.microsoft.com/office/drawing/2014/main" id="{199E58A6-63F1-41D2-B5EC-0A4697C6E3A2}"/>
+              </a:ext>
+            </a:extLst>
+          </p:cNvPr>
+          <p:cNvSpPr>
+            <a:spLocks noGrp="1"/>
+          </p:cNvSpPr>
+          <p:nvPr>
+            <p:ph type="title"/>
+          </p:nvPr>
+        </p:nvSpPr>
+        <p:spPr/>
+        <p:txBody>
+          <a:bodyPr/>
+          <a:lstStyle/>
+          <a:p>
+            <a:r>
+              <a:rPr lang="nb-NO"/>
+              <a:t>Agenda</a:t>
+            </a:r>
+          </a:p>
+        </p:txBody>
+      </p:sp>
+      <p:sp>
+        <p:nvSpPr>
+          <p:cNvPr id="3" name="Plassholder for innhold 2">
+            <a:extLst>
+              <a:ext uri="{FF2B5EF4-FFF2-40B4-BE49-F238E27FC236}">
+                <a16:creationId xmlns:a16="http://schemas.microsoft.com/office/drawing/2014/main" id="{871189EF-BA0D-4924-A6A1-7E2FC89328CD}"/>
+              </a:ext>
+            </a:extLst>
+          </p:cNvPr>
+          <p:cNvSpPr>
+            <a:spLocks noGrp="1"/>
+          </p:cNvSpPr>
+          <p:nvPr>
+            <p:ph idx="1"/>
+          </p:nvPr>
+        </p:nvSpPr>
+        <p:spPr/>
+        <p:txBody>
+          <a:bodyPr/>
+          <a:lstStyle/>
+          <a:p>
+            <a:pPr marL="0" indent="0">
+              <a:buNone/>
+            </a:pPr>
+            <a:r>
+              <a:rPr lang="nb-NO"/>
+              <a:t>0.   The What, Why and How of Python</a:t>
+            </a:r>
+          </a:p>
+          <a:p>
+            <a:pPr marL="514350" indent="-514350">
+              <a:buFont typeface="+mj-lt"/>
+              <a:buAutoNum type="arabicPeriod"/>
+            </a:pPr>
+            <a:r>
+              <a:rPr lang="nb-NO"/>
+              <a:t>Python download and setup</a:t>
+            </a:r>
+          </a:p>
+          <a:p>
+            <a:pPr marL="514350" indent="-514350">
+              <a:buFont typeface="+mj-lt"/>
+              <a:buAutoNum type="arabicPeriod"/>
+            </a:pPr>
+            <a:r>
+              <a:rPr lang="nb-NO"/>
+              <a:t>Jupyter Notebook</a:t>
+            </a:r>
+          </a:p>
+          <a:p>
+            <a:pPr marL="514350" indent="-514350">
+              <a:buFont typeface="+mj-lt"/>
+              <a:buAutoNum type="arabicPeriod"/>
+            </a:pPr>
+            <a:r>
+              <a:rPr lang="nb-NO" b="1"/>
+              <a:t>Basic Python syntax</a:t>
+            </a:r>
+          </a:p>
+          <a:p>
+            <a:pPr marL="514350" indent="-514350">
+              <a:buFont typeface="+mj-lt"/>
+              <a:buAutoNum type="arabicPeriod"/>
+            </a:pPr>
+            <a:r>
+              <a:rPr lang="nb-NO"/>
+              <a:t>Core data science libraries</a:t>
+            </a:r>
+          </a:p>
+          <a:p>
+            <a:pPr marL="514350" indent="-514350">
+              <a:buFont typeface="+mj-lt"/>
+              <a:buAutoNum type="arabicPeriod"/>
+            </a:pPr>
+            <a:r>
+              <a:rPr lang="nb-NO"/>
+              <a:t>Machine learning case</a:t>
+            </a:r>
+          </a:p>
+          <a:p>
+            <a:pPr marL="514350" indent="-514350">
+              <a:buFont typeface="+mj-lt"/>
+              <a:buAutoNum type="arabicPeriod"/>
+            </a:pPr>
+            <a:r>
+              <a:rPr lang="nb-NO"/>
+              <a:t>Brief introduction to NLP (if time)</a:t>
+            </a:r>
+          </a:p>
+          <a:p>
+            <a:pPr marL="514350" indent="-514350">
+              <a:buFont typeface="+mj-lt"/>
+              <a:buAutoNum type="arabicPeriod"/>
+            </a:pPr>
+            <a:endParaRPr lang="nb-NO"/>
+          </a:p>
+          <a:p>
+            <a:pPr marL="514350" indent="-514350">
+              <a:buFont typeface="+mj-lt"/>
+              <a:buAutoNum type="arabicPeriod"/>
+            </a:pPr>
+            <a:endParaRPr lang="nb-NO"/>
+          </a:p>
+        </p:txBody>
+      </p:sp>
+    </p:spTree>
+    <p:extLst>
+      <p:ext uri="{BB962C8B-B14F-4D97-AF65-F5344CB8AC3E}">
+        <p14:creationId xmlns:p14="http://schemas.microsoft.com/office/powerpoint/2010/main" val="1271381231"/>
+      </p:ext>
+    </p:extLst>
+  </p:cSld>
+  <p:clrMapOvr>
+    <a:masterClrMapping/>
+  </p:clrMapOvr>
+</p:sld>
+</file>
+
+<file path=ppt/slides/slide13.xml><?xml version="1.0" encoding="utf-8"?>
+<p:sld xmlns:a="http://schemas.openxmlformats.org/drawingml/2006/main" xmlns:r="http://schemas.openxmlformats.org/officeDocument/2006/relationships" xmlns:p="http://schemas.openxmlformats.org/presentationml/2006/main">
+  <p:cSld>
+    <p:spTree>
+      <p:nvGrpSpPr>
+        <p:cNvPr id="1" name=""/>
+        <p:cNvGrpSpPr/>
+        <p:nvPr/>
+      </p:nvGrpSpPr>
+      <p:grpSpPr>
+        <a:xfrm>
+          <a:off x="0" y="0"/>
+          <a:ext cx="0" cy="0"/>
+          <a:chOff x="0" y="0"/>
+          <a:chExt cx="0" cy="0"/>
+        </a:xfrm>
+      </p:grpSpPr>
+      <p:sp>
+        <p:nvSpPr>
+          <p:cNvPr id="3" name="Plassholder for innhold 2">
+            <a:extLst>
+              <a:ext uri="{FF2B5EF4-FFF2-40B4-BE49-F238E27FC236}">
+                <a16:creationId xmlns:a16="http://schemas.microsoft.com/office/drawing/2014/main" id="{579F6007-B3CD-410F-BD5A-7F2911BBA1A3}"/>
+              </a:ext>
+            </a:extLst>
+          </p:cNvPr>
+          <p:cNvSpPr>
+            <a:spLocks noGrp="1"/>
+          </p:cNvSpPr>
+          <p:nvPr>
+            <p:ph idx="1"/>
+          </p:nvPr>
+        </p:nvSpPr>
+        <p:spPr>
+          <a:xfrm>
+            <a:off x="838200" y="2667699"/>
+            <a:ext cx="10515600" cy="3509264"/>
+          </a:xfrm>
+        </p:spPr>
+        <p:txBody>
+          <a:bodyPr/>
+          <a:lstStyle/>
+          <a:p>
+            <a:pPr marL="0" indent="0">
+              <a:buNone/>
+            </a:pPr>
+            <a:r>
+              <a:rPr lang="nb-NO"/>
+              <a:t>All code will be available at </a:t>
+            </a:r>
+            <a:r>
+              <a:rPr lang="nb-NO">
+                <a:hlinkClick r:id="rId2"/>
+              </a:rPr>
+              <a:t>https://github.com/HStrand/python-ml101</a:t>
+            </a:r>
+            <a:endParaRPr lang="nb-NO"/>
+          </a:p>
+          <a:p>
+            <a:pPr marL="0" indent="0">
+              <a:buNone/>
+            </a:pPr>
+            <a:endParaRPr lang="nb-NO"/>
+          </a:p>
+        </p:txBody>
+      </p:sp>
+    </p:spTree>
+    <p:extLst>
+      <p:ext uri="{BB962C8B-B14F-4D97-AF65-F5344CB8AC3E}">
+        <p14:creationId xmlns:p14="http://schemas.microsoft.com/office/powerpoint/2010/main" val="101639395"/>
+      </p:ext>
+    </p:extLst>
+  </p:cSld>
+  <p:clrMapOvr>
+    <a:masterClrMapping/>
+  </p:clrMapOvr>
+</p:sld>
+</file>
+
+<file path=ppt/slides/slide14.xml><?xml version="1.0" encoding="utf-8"?>
+<p:sld xmlns:a="http://schemas.openxmlformats.org/drawingml/2006/main" xmlns:r="http://schemas.openxmlformats.org/officeDocument/2006/relationships" xmlns:p="http://schemas.openxmlformats.org/presentationml/2006/main">
+  <p:cSld>
+    <p:spTree>
+      <p:nvGrpSpPr>
+        <p:cNvPr id="1" name=""/>
+        <p:cNvGrpSpPr/>
+        <p:nvPr/>
+      </p:nvGrpSpPr>
+      <p:grpSpPr>
+        <a:xfrm>
+          <a:off x="0" y="0"/>
+          <a:ext cx="0" cy="0"/>
+          <a:chOff x="0" y="0"/>
+          <a:chExt cx="0" cy="0"/>
+        </a:xfrm>
+      </p:grpSpPr>
+      <p:sp>
+        <p:nvSpPr>
+          <p:cNvPr id="2" name="Tittel 1">
+            <a:extLst>
+              <a:ext uri="{FF2B5EF4-FFF2-40B4-BE49-F238E27FC236}">
+                <a16:creationId xmlns:a16="http://schemas.microsoft.com/office/drawing/2014/main" id="{A8ED35A1-347B-4F15-BA89-69299519B3D2}"/>
+              </a:ext>
+            </a:extLst>
+          </p:cNvPr>
+          <p:cNvSpPr>
+            <a:spLocks noGrp="1"/>
+          </p:cNvSpPr>
+          <p:nvPr>
+            <p:ph type="title"/>
+          </p:nvPr>
+        </p:nvSpPr>
+        <p:spPr/>
+        <p:txBody>
+          <a:bodyPr/>
+          <a:lstStyle/>
+          <a:p>
+            <a:r>
+              <a:rPr lang="nb-NO"/>
+              <a:t>Syntax</a:t>
+            </a:r>
+          </a:p>
+        </p:txBody>
+      </p:sp>
+      <p:sp>
+        <p:nvSpPr>
+          <p:cNvPr id="3" name="Plassholder for innhold 2">
+            <a:extLst>
+              <a:ext uri="{FF2B5EF4-FFF2-40B4-BE49-F238E27FC236}">
+                <a16:creationId xmlns:a16="http://schemas.microsoft.com/office/drawing/2014/main" id="{A9CC3DAB-3F05-4D34-855E-815B92260D50}"/>
+              </a:ext>
+            </a:extLst>
+          </p:cNvPr>
+          <p:cNvSpPr>
+            <a:spLocks noGrp="1"/>
+          </p:cNvSpPr>
+          <p:nvPr>
+            <p:ph idx="1"/>
+          </p:nvPr>
+        </p:nvSpPr>
+        <p:spPr/>
+        <p:txBody>
+          <a:bodyPr/>
+          <a:lstStyle/>
+          <a:p>
+            <a:r>
+              <a:rPr lang="nb-NO"/>
+              <a:t>Python is </a:t>
+            </a:r>
+            <a:r>
+              <a:rPr lang="nb-NO" b="1"/>
+              <a:t>weakly typed</a:t>
+            </a:r>
+            <a:r>
+              <a:rPr lang="nb-NO"/>
+              <a:t>.</a:t>
+            </a:r>
+          </a:p>
+          <a:p>
+            <a:r>
+              <a:rPr lang="nb-NO"/>
+              <a:t>Python uses </a:t>
+            </a:r>
+            <a:r>
+              <a:rPr lang="nb-NO" b="1"/>
+              <a:t>indentation</a:t>
+            </a:r>
+            <a:r>
+              <a:rPr lang="nb-NO"/>
+              <a:t> to determine code blocks.</a:t>
+            </a:r>
+          </a:p>
+          <a:p>
+            <a:r>
+              <a:rPr lang="nb-NO"/>
+              <a:t>No curly braces or semicolons!</a:t>
+            </a:r>
+          </a:p>
+        </p:txBody>
+      </p:sp>
+    </p:spTree>
+    <p:extLst>
+      <p:ext uri="{BB962C8B-B14F-4D97-AF65-F5344CB8AC3E}">
+        <p14:creationId xmlns:p14="http://schemas.microsoft.com/office/powerpoint/2010/main" val="1537759597"/>
+      </p:ext>
+    </p:extLst>
+  </p:cSld>
+  <p:clrMapOvr>
+    <a:masterClrMapping/>
+  </p:clrMapOvr>
+</p:sld>
+</file>
+
+<file path=ppt/slides/slide15.xml><?xml version="1.0" encoding="utf-8"?>
+<p:sld xmlns:a="http://schemas.openxmlformats.org/drawingml/2006/main" xmlns:r="http://schemas.openxmlformats.org/officeDocument/2006/relationships" xmlns:p="http://schemas.openxmlformats.org/presentationml/2006/main">
+  <p:cSld>
+    <p:spTree>
+      <p:nvGrpSpPr>
+        <p:cNvPr id="1" name=""/>
+        <p:cNvGrpSpPr/>
+        <p:nvPr/>
+      </p:nvGrpSpPr>
+      <p:grpSpPr>
+        <a:xfrm>
+          <a:off x="0" y="0"/>
+          <a:ext cx="0" cy="0"/>
+          <a:chOff x="0" y="0"/>
+          <a:chExt cx="0" cy="0"/>
+        </a:xfrm>
+      </p:grpSpPr>
+      <p:sp>
+        <p:nvSpPr>
+          <p:cNvPr id="2" name="Tittel 1">
+            <a:extLst>
+              <a:ext uri="{FF2B5EF4-FFF2-40B4-BE49-F238E27FC236}">
+                <a16:creationId xmlns:a16="http://schemas.microsoft.com/office/drawing/2014/main" id="{199E58A6-63F1-41D2-B5EC-0A4697C6E3A2}"/>
+              </a:ext>
+            </a:extLst>
+          </p:cNvPr>
+          <p:cNvSpPr>
+            <a:spLocks noGrp="1"/>
+          </p:cNvSpPr>
+          <p:nvPr>
+            <p:ph type="title"/>
+          </p:nvPr>
+        </p:nvSpPr>
+        <p:spPr/>
+        <p:txBody>
+          <a:bodyPr/>
+          <a:lstStyle/>
+          <a:p>
+            <a:r>
+              <a:rPr lang="nb-NO"/>
+              <a:t>Agenda</a:t>
+            </a:r>
+          </a:p>
+        </p:txBody>
+      </p:sp>
+      <p:sp>
+        <p:nvSpPr>
+          <p:cNvPr id="3" name="Plassholder for innhold 2">
+            <a:extLst>
+              <a:ext uri="{FF2B5EF4-FFF2-40B4-BE49-F238E27FC236}">
+                <a16:creationId xmlns:a16="http://schemas.microsoft.com/office/drawing/2014/main" id="{871189EF-BA0D-4924-A6A1-7E2FC89328CD}"/>
+              </a:ext>
+            </a:extLst>
+          </p:cNvPr>
+          <p:cNvSpPr>
+            <a:spLocks noGrp="1"/>
+          </p:cNvSpPr>
+          <p:nvPr>
+            <p:ph idx="1"/>
+          </p:nvPr>
+        </p:nvSpPr>
+        <p:spPr/>
+        <p:txBody>
+          <a:bodyPr/>
+          <a:lstStyle/>
+          <a:p>
+            <a:pPr marL="0" indent="0">
+              <a:buNone/>
+            </a:pPr>
+            <a:r>
+              <a:rPr lang="nb-NO"/>
+              <a:t>0.   The What, Why and How of Python</a:t>
+            </a:r>
+          </a:p>
+          <a:p>
+            <a:pPr marL="514350" indent="-514350">
+              <a:buFont typeface="+mj-lt"/>
+              <a:buAutoNum type="arabicPeriod"/>
+            </a:pPr>
+            <a:r>
+              <a:rPr lang="nb-NO"/>
+              <a:t>Python download and setup</a:t>
+            </a:r>
+          </a:p>
+          <a:p>
+            <a:pPr marL="514350" indent="-514350">
+              <a:buFont typeface="+mj-lt"/>
+              <a:buAutoNum type="arabicPeriod"/>
+            </a:pPr>
+            <a:r>
+              <a:rPr lang="nb-NO"/>
+              <a:t>Jupyter Notebook</a:t>
+            </a:r>
+          </a:p>
+          <a:p>
+            <a:pPr marL="514350" indent="-514350">
+              <a:buFont typeface="+mj-lt"/>
+              <a:buAutoNum type="arabicPeriod"/>
+            </a:pPr>
+            <a:r>
+              <a:rPr lang="nb-NO"/>
+              <a:t>Basic Python syntax</a:t>
+            </a:r>
+          </a:p>
+          <a:p>
+            <a:pPr marL="514350" indent="-514350">
+              <a:buFont typeface="+mj-lt"/>
+              <a:buAutoNum type="arabicPeriod"/>
+            </a:pPr>
+            <a:r>
+              <a:rPr lang="nb-NO" b="1"/>
+              <a:t>Core data science libraries</a:t>
+            </a:r>
+          </a:p>
+          <a:p>
+            <a:pPr marL="514350" indent="-514350">
+              <a:buFont typeface="+mj-lt"/>
+              <a:buAutoNum type="arabicPeriod"/>
+            </a:pPr>
+            <a:r>
+              <a:rPr lang="nb-NO"/>
+              <a:t>Machine learning case</a:t>
+            </a:r>
+          </a:p>
+          <a:p>
+            <a:pPr marL="514350" indent="-514350">
+              <a:buFont typeface="+mj-lt"/>
+              <a:buAutoNum type="arabicPeriod"/>
+            </a:pPr>
+            <a:r>
+              <a:rPr lang="nb-NO"/>
+              <a:t>Brief introduction to NLP (if time)</a:t>
+            </a:r>
+          </a:p>
+          <a:p>
+            <a:pPr marL="514350" indent="-514350">
+              <a:buFont typeface="+mj-lt"/>
+              <a:buAutoNum type="arabicPeriod"/>
+            </a:pPr>
+            <a:endParaRPr lang="nb-NO"/>
+          </a:p>
+          <a:p>
+            <a:pPr marL="514350" indent="-514350">
+              <a:buFont typeface="+mj-lt"/>
+              <a:buAutoNum type="arabicPeriod"/>
+            </a:pPr>
+            <a:endParaRPr lang="nb-NO"/>
+          </a:p>
+        </p:txBody>
+      </p:sp>
+    </p:spTree>
+    <p:extLst>
+      <p:ext uri="{BB962C8B-B14F-4D97-AF65-F5344CB8AC3E}">
+        <p14:creationId xmlns:p14="http://schemas.microsoft.com/office/powerpoint/2010/main" val="3628632531"/>
+      </p:ext>
+    </p:extLst>
+  </p:cSld>
+  <p:clrMapOvr>
+    <a:masterClrMapping/>
+  </p:clrMapOvr>
+</p:sld>
+</file>
+
+<file path=ppt/slides/slide16.xml><?xml version="1.0" encoding="utf-8"?>
+<p:sld xmlns:a="http://schemas.openxmlformats.org/drawingml/2006/main" xmlns:r="http://schemas.openxmlformats.org/officeDocument/2006/relationships" xmlns:p="http://schemas.openxmlformats.org/presentationml/2006/main">
+  <p:cSld>
+    <p:spTree>
+      <p:nvGrpSpPr>
+        <p:cNvPr id="1" name=""/>
+        <p:cNvGrpSpPr/>
+        <p:nvPr/>
+      </p:nvGrpSpPr>
+      <p:grpSpPr>
+        <a:xfrm>
+          <a:off x="0" y="0"/>
+          <a:ext cx="0" cy="0"/>
+          <a:chOff x="0" y="0"/>
+          <a:chExt cx="0" cy="0"/>
+        </a:xfrm>
+      </p:grpSpPr>
+      <p:sp>
+        <p:nvSpPr>
+          <p:cNvPr id="2" name="Tittel 1">
+            <a:extLst>
+              <a:ext uri="{FF2B5EF4-FFF2-40B4-BE49-F238E27FC236}">
+                <a16:creationId xmlns:a16="http://schemas.microsoft.com/office/drawing/2014/main" id="{8F31A50E-A22B-4DAF-B6D7-91EFD5E98D10}"/>
+              </a:ext>
+            </a:extLst>
+          </p:cNvPr>
+          <p:cNvSpPr>
+            <a:spLocks noGrp="1"/>
+          </p:cNvSpPr>
+          <p:nvPr>
+            <p:ph type="title"/>
+          </p:nvPr>
+        </p:nvSpPr>
+        <p:spPr/>
+        <p:txBody>
+          <a:bodyPr/>
+          <a:lstStyle/>
+          <a:p>
+            <a:r>
+              <a:rPr lang="nb-NO"/>
+              <a:t>Data science libraries</a:t>
+            </a:r>
+          </a:p>
+        </p:txBody>
+      </p:sp>
+      <p:sp>
+        <p:nvSpPr>
+          <p:cNvPr id="3" name="Plassholder for innhold 2">
+            <a:extLst>
+              <a:ext uri="{FF2B5EF4-FFF2-40B4-BE49-F238E27FC236}">
+                <a16:creationId xmlns:a16="http://schemas.microsoft.com/office/drawing/2014/main" id="{D030C1CA-666B-455A-8774-CA48D6EC8643}"/>
+              </a:ext>
+            </a:extLst>
+          </p:cNvPr>
+          <p:cNvSpPr>
+            <a:spLocks noGrp="1"/>
+          </p:cNvSpPr>
+          <p:nvPr>
+            <p:ph idx="1"/>
+          </p:nvPr>
+        </p:nvSpPr>
+        <p:spPr/>
+        <p:txBody>
+          <a:bodyPr/>
+          <a:lstStyle/>
+          <a:p>
+            <a:r>
+              <a:rPr lang="nb-NO"/>
+              <a:t>Most Python data science packages are built around the </a:t>
+            </a:r>
+            <a:r>
+              <a:rPr lang="nb-NO" b="1"/>
+              <a:t>NumPy</a:t>
+            </a:r>
+            <a:r>
+              <a:rPr lang="nb-NO"/>
+              <a:t> </a:t>
+            </a:r>
+            <a:r>
+              <a:rPr lang="nb-NO" b="1"/>
+              <a:t>stack</a:t>
+            </a:r>
+          </a:p>
+          <a:p>
+            <a:r>
+              <a:rPr lang="nb-NO"/>
+              <a:t>The most important packages are:</a:t>
+            </a:r>
+          </a:p>
+          <a:p>
+            <a:pPr lvl="1"/>
+            <a:r>
+              <a:rPr lang="nb-NO" b="1"/>
+              <a:t>NumPy </a:t>
+            </a:r>
+            <a:r>
+              <a:rPr lang="nb-NO"/>
+              <a:t>for working efficiently with arrays and matrices.</a:t>
+            </a:r>
+          </a:p>
+          <a:p>
+            <a:pPr lvl="1"/>
+            <a:r>
+              <a:rPr lang="nb-NO" b="1"/>
+              <a:t>pandas </a:t>
+            </a:r>
+            <a:r>
+              <a:rPr lang="nb-NO"/>
+              <a:t>to work with table data.</a:t>
+            </a:r>
+          </a:p>
+          <a:p>
+            <a:pPr lvl="1"/>
+            <a:r>
+              <a:rPr lang="nb-NO" b="1"/>
+              <a:t>scikit-learn </a:t>
+            </a:r>
+            <a:r>
+              <a:rPr lang="nb-NO"/>
+              <a:t>for machine learning.</a:t>
+            </a:r>
+          </a:p>
+          <a:p>
+            <a:pPr lvl="1"/>
+            <a:r>
+              <a:rPr lang="nb-NO" b="1"/>
+              <a:t>matplotlib </a:t>
+            </a:r>
+            <a:r>
+              <a:rPr lang="nb-NO"/>
+              <a:t>and </a:t>
+            </a:r>
+            <a:r>
+              <a:rPr lang="nb-NO" b="1"/>
+              <a:t>seaborn </a:t>
+            </a:r>
+            <a:r>
+              <a:rPr lang="nb-NO"/>
+              <a:t>for visualization.</a:t>
+            </a:r>
+            <a:endParaRPr lang="nb-NO" b="1"/>
+          </a:p>
+        </p:txBody>
+      </p:sp>
+    </p:spTree>
+    <p:extLst>
+      <p:ext uri="{BB962C8B-B14F-4D97-AF65-F5344CB8AC3E}">
+        <p14:creationId xmlns:p14="http://schemas.microsoft.com/office/powerpoint/2010/main" val="2577983274"/>
+      </p:ext>
+    </p:extLst>
+  </p:cSld>
+  <p:clrMapOvr>
+    <a:masterClrMapping/>
+  </p:clrMapOvr>
+</p:sld>
+</file>
+
+<file path=ppt/slides/slide17.xml><?xml version="1.0" encoding="utf-8"?>
+<p:sld xmlns:a="http://schemas.openxmlformats.org/drawingml/2006/main" xmlns:r="http://schemas.openxmlformats.org/officeDocument/2006/relationships" xmlns:p="http://schemas.openxmlformats.org/presentationml/2006/main">
+  <p:cSld>
+    <p:spTree>
+      <p:nvGrpSpPr>
+        <p:cNvPr id="1" name=""/>
+        <p:cNvGrpSpPr/>
+        <p:nvPr/>
+      </p:nvGrpSpPr>
+      <p:grpSpPr>
+        <a:xfrm>
+          <a:off x="0" y="0"/>
+          <a:ext cx="0" cy="0"/>
+          <a:chOff x="0" y="0"/>
+          <a:chExt cx="0" cy="0"/>
+        </a:xfrm>
+      </p:grpSpPr>
+      <p:sp>
+        <p:nvSpPr>
+          <p:cNvPr id="2" name="Tittel 1">
+            <a:extLst>
+              <a:ext uri="{FF2B5EF4-FFF2-40B4-BE49-F238E27FC236}">
+                <a16:creationId xmlns:a16="http://schemas.microsoft.com/office/drawing/2014/main" id="{0575B4FB-DA51-4F62-A635-B16A1B516A29}"/>
+              </a:ext>
+            </a:extLst>
+          </p:cNvPr>
+          <p:cNvSpPr>
+            <a:spLocks noGrp="1"/>
+          </p:cNvSpPr>
+          <p:nvPr>
+            <p:ph type="title"/>
+          </p:nvPr>
+        </p:nvSpPr>
+        <p:spPr/>
+        <p:txBody>
+          <a:bodyPr/>
+          <a:lstStyle/>
+          <a:p>
+            <a:r>
+              <a:rPr lang="nb-NO"/>
+              <a:t>matplotlib and seaborn</a:t>
+            </a:r>
+          </a:p>
+        </p:txBody>
+      </p:sp>
+      <p:sp>
+        <p:nvSpPr>
+          <p:cNvPr id="3" name="Plassholder for innhold 2">
+            <a:extLst>
+              <a:ext uri="{FF2B5EF4-FFF2-40B4-BE49-F238E27FC236}">
+                <a16:creationId xmlns:a16="http://schemas.microsoft.com/office/drawing/2014/main" id="{72572B35-5EA5-4154-A023-00E40D009E85}"/>
+              </a:ext>
+            </a:extLst>
+          </p:cNvPr>
+          <p:cNvSpPr>
+            <a:spLocks noGrp="1"/>
+          </p:cNvSpPr>
+          <p:nvPr>
+            <p:ph idx="1"/>
+          </p:nvPr>
+        </p:nvSpPr>
+        <p:spPr/>
+        <p:txBody>
+          <a:bodyPr/>
+          <a:lstStyle/>
+          <a:p>
+            <a:r>
+              <a:rPr lang="nb-NO"/>
+              <a:t>matplotlib is a simple and easy-to-use visualization package.</a:t>
+            </a:r>
+          </a:p>
+          <a:p>
+            <a:r>
+              <a:rPr lang="nb-NO"/>
+              <a:t>seaborn adds prettier graphics and additional plot types.</a:t>
+            </a:r>
+          </a:p>
+          <a:p>
+            <a:r>
+              <a:rPr lang="nb-NO"/>
+              <a:t>Seaborn examples at </a:t>
+            </a:r>
+            <a:r>
+              <a:rPr lang="nb-NO">
+                <a:hlinkClick r:id="rId2"/>
+              </a:rPr>
+              <a:t>https://seaborn.pydata.org/examples/index.html</a:t>
+            </a:r>
+            <a:endParaRPr lang="nb-NO"/>
+          </a:p>
+          <a:p>
+            <a:pPr marL="0" indent="0">
+              <a:buNone/>
+            </a:pPr>
+            <a:endParaRPr lang="nb-NO"/>
+          </a:p>
+        </p:txBody>
+      </p:sp>
+      <p:pic>
+        <p:nvPicPr>
+          <p:cNvPr id="6148" name="Picture 4" descr="Bilderesultat for matplotlib logo">
+            <a:extLst>
+              <a:ext uri="{FF2B5EF4-FFF2-40B4-BE49-F238E27FC236}">
+                <a16:creationId xmlns:a16="http://schemas.microsoft.com/office/drawing/2014/main" id="{CD47D4F7-4738-4F31-817F-38DA0342F311}"/>
+              </a:ext>
+            </a:extLst>
+          </p:cNvPr>
+          <p:cNvPicPr>
+            <a:picLocks noChangeAspect="1" noChangeArrowheads="1"/>
+          </p:cNvPicPr>
+          <p:nvPr/>
+        </p:nvPicPr>
+        <p:blipFill>
+          <a:blip r:embed="rId3">
+            <a:extLst>
+              <a:ext uri="{28A0092B-C50C-407E-A947-70E740481C1C}">
+                <a14:useLocalDpi xmlns:a14="http://schemas.microsoft.com/office/drawing/2010/main" val="0"/>
+              </a:ext>
+            </a:extLst>
+          </a:blip>
+          <a:srcRect/>
+          <a:stretch>
+            <a:fillRect/>
+          </a:stretch>
+        </p:blipFill>
+        <p:spPr bwMode="auto">
+          <a:xfrm>
+            <a:off x="7772400" y="544441"/>
+            <a:ext cx="3311733" cy="966929"/>
+          </a:xfrm>
+          <a:prstGeom prst="rect">
+            <a:avLst/>
+          </a:prstGeom>
+          <a:noFill/>
+          <a:extLst>
+            <a:ext uri="{909E8E84-426E-40DD-AFC4-6F175D3DCCD1}">
+              <a14:hiddenFill xmlns:a14="http://schemas.microsoft.com/office/drawing/2010/main">
+                <a:solidFill>
+                  <a:srgbClr val="FFFFFF"/>
+                </a:solidFill>
+              </a14:hiddenFill>
+            </a:ext>
+          </a:extLst>
+        </p:spPr>
+      </p:pic>
+    </p:spTree>
+    <p:extLst>
+      <p:ext uri="{BB962C8B-B14F-4D97-AF65-F5344CB8AC3E}">
+        <p14:creationId xmlns:p14="http://schemas.microsoft.com/office/powerpoint/2010/main" val="1011251376"/>
+      </p:ext>
+    </p:extLst>
+  </p:cSld>
+  <p:clrMapOvr>
+    <a:masterClrMapping/>
+  </p:clrMapOvr>
+</p:sld>
+</file>
+
+<file path=ppt/slides/slide18.xml><?xml version="1.0" encoding="utf-8"?>
+<p:sld xmlns:a="http://schemas.openxmlformats.org/drawingml/2006/main" xmlns:r="http://schemas.openxmlformats.org/officeDocument/2006/relationships" xmlns:p="http://schemas.openxmlformats.org/presentationml/2006/main">
+  <p:cSld>
+    <p:spTree>
+      <p:nvGrpSpPr>
+        <p:cNvPr id="1" name=""/>
+        <p:cNvGrpSpPr/>
+        <p:nvPr/>
+      </p:nvGrpSpPr>
+      <p:grpSpPr>
+        <a:xfrm>
+          <a:off x="0" y="0"/>
+          <a:ext cx="0" cy="0"/>
+          <a:chOff x="0" y="0"/>
+          <a:chExt cx="0" cy="0"/>
+        </a:xfrm>
+      </p:grpSpPr>
+      <p:sp>
+        <p:nvSpPr>
+          <p:cNvPr id="2" name="Tittel 1">
+            <a:extLst>
+              <a:ext uri="{FF2B5EF4-FFF2-40B4-BE49-F238E27FC236}">
+                <a16:creationId xmlns:a16="http://schemas.microsoft.com/office/drawing/2014/main" id="{BDD02D3C-30B0-4571-B390-EBECA107D484}"/>
+              </a:ext>
+            </a:extLst>
+          </p:cNvPr>
+          <p:cNvSpPr>
+            <a:spLocks noGrp="1"/>
+          </p:cNvSpPr>
+          <p:nvPr>
+            <p:ph type="title"/>
+          </p:nvPr>
+        </p:nvSpPr>
+        <p:spPr/>
+        <p:txBody>
+          <a:bodyPr/>
+          <a:lstStyle/>
+          <a:p>
+            <a:r>
+              <a:rPr lang="nb-NO"/>
+              <a:t>scikit-learn</a:t>
+            </a:r>
+          </a:p>
+        </p:txBody>
+      </p:sp>
+      <p:sp>
+        <p:nvSpPr>
+          <p:cNvPr id="3" name="Plassholder for innhold 2">
+            <a:extLst>
+              <a:ext uri="{FF2B5EF4-FFF2-40B4-BE49-F238E27FC236}">
+                <a16:creationId xmlns:a16="http://schemas.microsoft.com/office/drawing/2014/main" id="{1EEFD5DD-DCB1-4AF0-8F37-441085B6C3EF}"/>
+              </a:ext>
+            </a:extLst>
+          </p:cNvPr>
+          <p:cNvSpPr>
+            <a:spLocks noGrp="1"/>
+          </p:cNvSpPr>
+          <p:nvPr>
+            <p:ph idx="1"/>
+          </p:nvPr>
+        </p:nvSpPr>
+        <p:spPr/>
+        <p:txBody>
+          <a:bodyPr/>
+          <a:lstStyle/>
+          <a:p>
+            <a:r>
+              <a:rPr lang="nb-NO"/>
+              <a:t>scikit-learn is an excellent tool for machine learning.</a:t>
+            </a:r>
+          </a:p>
+          <a:p>
+            <a:r>
+              <a:rPr lang="nb-NO"/>
+              <a:t>It has </a:t>
+            </a:r>
+            <a:r>
+              <a:rPr lang="nb-NO" i="1"/>
+              <a:t>really </a:t>
+            </a:r>
+            <a:r>
+              <a:rPr lang="nb-NO"/>
+              <a:t>good documentation at </a:t>
+            </a:r>
+            <a:r>
+              <a:rPr lang="nb-NO">
+                <a:hlinkClick r:id="rId2"/>
+              </a:rPr>
+              <a:t>http://scikit-learn.org/stable/</a:t>
+            </a:r>
+            <a:r>
+              <a:rPr lang="nb-NO"/>
+              <a:t>.</a:t>
+            </a:r>
+          </a:p>
+          <a:p>
+            <a:r>
+              <a:rPr lang="nb-NO"/>
+              <a:t>Works well with small data.</a:t>
+            </a:r>
+          </a:p>
+          <a:p>
+            <a:r>
+              <a:rPr lang="nb-NO"/>
+              <a:t>Does </a:t>
+            </a:r>
+            <a:r>
+              <a:rPr lang="nb-NO" i="1"/>
+              <a:t>not </a:t>
+            </a:r>
+            <a:r>
+              <a:rPr lang="nb-NO"/>
+              <a:t>work well with big data and deep learning.</a:t>
+            </a:r>
+          </a:p>
+          <a:p>
+            <a:pPr lvl="1"/>
+            <a:r>
+              <a:rPr lang="nb-NO"/>
+              <a:t>For deep learning, there are multiple specialized libraries with Python APIs, like TensorFlow, PyTorch, CNTK, etc. etc.</a:t>
+            </a:r>
+          </a:p>
+          <a:p>
+            <a:endParaRPr lang="nb-NO"/>
+          </a:p>
+          <a:p>
+            <a:endParaRPr lang="nb-NO"/>
+          </a:p>
+          <a:p>
+            <a:endParaRPr lang="nb-NO"/>
+          </a:p>
+        </p:txBody>
+      </p:sp>
+      <p:pic>
+        <p:nvPicPr>
+          <p:cNvPr id="5122" name="Picture 2" descr="Logo">
+            <a:extLst>
+              <a:ext uri="{FF2B5EF4-FFF2-40B4-BE49-F238E27FC236}">
+                <a16:creationId xmlns:a16="http://schemas.microsoft.com/office/drawing/2014/main" id="{5414B4CF-E2F5-470F-A827-42B0401FF824}"/>
+              </a:ext>
+            </a:extLst>
+          </p:cNvPr>
+          <p:cNvPicPr>
+            <a:picLocks noChangeAspect="1" noChangeArrowheads="1"/>
+          </p:cNvPicPr>
+          <p:nvPr/>
+        </p:nvPicPr>
+        <p:blipFill>
+          <a:blip r:embed="rId3">
+            <a:extLst>
+              <a:ext uri="{28A0092B-C50C-407E-A947-70E740481C1C}">
+                <a14:useLocalDpi xmlns:a14="http://schemas.microsoft.com/office/drawing/2010/main" val="0"/>
+              </a:ext>
+            </a:extLst>
+          </a:blip>
+          <a:srcRect/>
+          <a:stretch>
+            <a:fillRect/>
+          </a:stretch>
+        </p:blipFill>
+        <p:spPr bwMode="auto">
+          <a:xfrm>
+            <a:off x="9344537" y="751681"/>
+            <a:ext cx="1524000" cy="552450"/>
+          </a:xfrm>
+          <a:prstGeom prst="rect">
+            <a:avLst/>
+          </a:prstGeom>
+          <a:noFill/>
+          <a:extLst>
+            <a:ext uri="{909E8E84-426E-40DD-AFC4-6F175D3DCCD1}">
+              <a14:hiddenFill xmlns:a14="http://schemas.microsoft.com/office/drawing/2010/main">
+                <a:solidFill>
+                  <a:srgbClr val="FFFFFF"/>
+                </a:solidFill>
+              </a14:hiddenFill>
+            </a:ext>
+          </a:extLst>
+        </p:spPr>
+      </p:pic>
+    </p:spTree>
+    <p:extLst>
+      <p:ext uri="{BB962C8B-B14F-4D97-AF65-F5344CB8AC3E}">
+        <p14:creationId xmlns:p14="http://schemas.microsoft.com/office/powerpoint/2010/main" val="2177074161"/>
+      </p:ext>
+    </p:extLst>
+  </p:cSld>
+  <p:clrMapOvr>
+    <a:masterClrMapping/>
+  </p:clrMapOvr>
+</p:sld>
+</file>
+
+<file path=ppt/slides/slide19.xml><?xml version="1.0" encoding="utf-8"?>
+<p:sld xmlns:a="http://schemas.openxmlformats.org/drawingml/2006/main" xmlns:r="http://schemas.openxmlformats.org/officeDocument/2006/relationships" xmlns:p="http://schemas.openxmlformats.org/presentationml/2006/main">
+  <p:cSld>
+    <p:spTree>
+      <p:nvGrpSpPr>
+        <p:cNvPr id="1" name=""/>
+        <p:cNvGrpSpPr/>
+        <p:nvPr/>
+      </p:nvGrpSpPr>
+      <p:grpSpPr>
+        <a:xfrm>
+          <a:off x="0" y="0"/>
+          <a:ext cx="0" cy="0"/>
+          <a:chOff x="0" y="0"/>
+          <a:chExt cx="0" cy="0"/>
+        </a:xfrm>
+      </p:grpSpPr>
+      <p:sp>
+        <p:nvSpPr>
+          <p:cNvPr id="2" name="Tittel 1">
+            <a:extLst>
+              <a:ext uri="{FF2B5EF4-FFF2-40B4-BE49-F238E27FC236}">
+                <a16:creationId xmlns:a16="http://schemas.microsoft.com/office/drawing/2014/main" id="{199E58A6-63F1-41D2-B5EC-0A4697C6E3A2}"/>
+              </a:ext>
+            </a:extLst>
+          </p:cNvPr>
+          <p:cNvSpPr>
+            <a:spLocks noGrp="1"/>
+          </p:cNvSpPr>
+          <p:nvPr>
+            <p:ph type="title"/>
+          </p:nvPr>
+        </p:nvSpPr>
+        <p:spPr/>
+        <p:txBody>
+          <a:bodyPr/>
+          <a:lstStyle/>
+          <a:p>
+            <a:r>
+              <a:rPr lang="nb-NO"/>
+              <a:t>Agenda</a:t>
+            </a:r>
+          </a:p>
+        </p:txBody>
+      </p:sp>
+      <p:sp>
+        <p:nvSpPr>
+          <p:cNvPr id="3" name="Plassholder for innhold 2">
+            <a:extLst>
+              <a:ext uri="{FF2B5EF4-FFF2-40B4-BE49-F238E27FC236}">
+                <a16:creationId xmlns:a16="http://schemas.microsoft.com/office/drawing/2014/main" id="{871189EF-BA0D-4924-A6A1-7E2FC89328CD}"/>
+              </a:ext>
+            </a:extLst>
+          </p:cNvPr>
+          <p:cNvSpPr>
+            <a:spLocks noGrp="1"/>
+          </p:cNvSpPr>
+          <p:nvPr>
+            <p:ph idx="1"/>
+          </p:nvPr>
+        </p:nvSpPr>
+        <p:spPr/>
+        <p:txBody>
+          <a:bodyPr/>
+          <a:lstStyle/>
+          <a:p>
+            <a:pPr marL="0" indent="0">
+              <a:buNone/>
+            </a:pPr>
+            <a:r>
+              <a:rPr lang="nb-NO"/>
+              <a:t>0.   The What, Why and How of Python</a:t>
+            </a:r>
+          </a:p>
+          <a:p>
+            <a:pPr marL="514350" indent="-514350">
+              <a:buFont typeface="+mj-lt"/>
+              <a:buAutoNum type="arabicPeriod"/>
+            </a:pPr>
+            <a:r>
+              <a:rPr lang="nb-NO"/>
+              <a:t>Python download and setup</a:t>
+            </a:r>
+          </a:p>
+          <a:p>
+            <a:pPr marL="514350" indent="-514350">
+              <a:buFont typeface="+mj-lt"/>
+              <a:buAutoNum type="arabicPeriod"/>
+            </a:pPr>
+            <a:r>
+              <a:rPr lang="nb-NO"/>
+              <a:t>Jupyter Notebook</a:t>
+            </a:r>
+          </a:p>
+          <a:p>
+            <a:pPr marL="514350" indent="-514350">
+              <a:buFont typeface="+mj-lt"/>
+              <a:buAutoNum type="arabicPeriod"/>
+            </a:pPr>
+            <a:r>
+              <a:rPr lang="nb-NO"/>
+              <a:t>Basic Python syntax</a:t>
+            </a:r>
+          </a:p>
+          <a:p>
+            <a:pPr marL="514350" indent="-514350">
+              <a:buFont typeface="+mj-lt"/>
+              <a:buAutoNum type="arabicPeriod"/>
+            </a:pPr>
+            <a:r>
+              <a:rPr lang="nb-NO"/>
+              <a:t>Core data science libraries</a:t>
+            </a:r>
+          </a:p>
+          <a:p>
+            <a:pPr marL="514350" indent="-514350">
+              <a:buFont typeface="+mj-lt"/>
+              <a:buAutoNum type="arabicPeriod"/>
+            </a:pPr>
+            <a:r>
+              <a:rPr lang="nb-NO" b="1"/>
+              <a:t>Machine learning case</a:t>
+            </a:r>
+          </a:p>
+          <a:p>
+            <a:pPr marL="514350" indent="-514350">
+              <a:buFont typeface="+mj-lt"/>
+              <a:buAutoNum type="arabicPeriod"/>
+            </a:pPr>
+            <a:r>
+              <a:rPr lang="nb-NO"/>
+              <a:t>Brief introduction to NLP (if time)</a:t>
+            </a:r>
+          </a:p>
+          <a:p>
+            <a:pPr marL="514350" indent="-514350">
+              <a:buFont typeface="+mj-lt"/>
+              <a:buAutoNum type="arabicPeriod"/>
+            </a:pPr>
+            <a:endParaRPr lang="nb-NO"/>
+          </a:p>
+          <a:p>
+            <a:pPr marL="514350" indent="-514350">
+              <a:buFont typeface="+mj-lt"/>
+              <a:buAutoNum type="arabicPeriod"/>
+            </a:pPr>
+            <a:endParaRPr lang="nb-NO"/>
+          </a:p>
+        </p:txBody>
+      </p:sp>
+    </p:spTree>
+    <p:extLst>
+      <p:ext uri="{BB962C8B-B14F-4D97-AF65-F5344CB8AC3E}">
+        <p14:creationId xmlns:p14="http://schemas.microsoft.com/office/powerpoint/2010/main" val="3144733772"/>
+      </p:ext>
+    </p:extLst>
+  </p:cSld>
+  <p:clrMapOvr>
+    <a:masterClrMapping/>
+  </p:clrMapOvr>
+</p:sld>
+</file>
+
 <file path=ppt/slides/slide2.xml><?xml version="1.0" encoding="utf-8"?>
 <p:sld xmlns:a="http://schemas.openxmlformats.org/drawingml/2006/main" xmlns:r="http://schemas.openxmlformats.org/officeDocument/2006/relationships" xmlns:p="http://schemas.openxmlformats.org/presentationml/2006/main">
   <p:cSld>
@@ -3524,15 +5081,428 @@
             </a:r>
             <a:endParaRPr lang="nb-NO" u="sng"/>
           </a:p>
-          <a:p>
-            <a:endParaRPr lang="nb-NO"/>
-          </a:p>
         </p:txBody>
       </p:sp>
     </p:spTree>
     <p:extLst>
       <p:ext uri="{BB962C8B-B14F-4D97-AF65-F5344CB8AC3E}">
         <p14:creationId xmlns:p14="http://schemas.microsoft.com/office/powerpoint/2010/main" val="3198432900"/>
+      </p:ext>
+    </p:extLst>
+  </p:cSld>
+  <p:clrMapOvr>
+    <a:masterClrMapping/>
+  </p:clrMapOvr>
+</p:sld>
+</file>
+
+<file path=ppt/slides/slide20.xml><?xml version="1.0" encoding="utf-8"?>
+<p:sld xmlns:a="http://schemas.openxmlformats.org/drawingml/2006/main" xmlns:r="http://schemas.openxmlformats.org/officeDocument/2006/relationships" xmlns:p="http://schemas.openxmlformats.org/presentationml/2006/main">
+  <p:cSld>
+    <p:spTree>
+      <p:nvGrpSpPr>
+        <p:cNvPr id="1" name=""/>
+        <p:cNvGrpSpPr/>
+        <p:nvPr/>
+      </p:nvGrpSpPr>
+      <p:grpSpPr>
+        <a:xfrm>
+          <a:off x="0" y="0"/>
+          <a:ext cx="0" cy="0"/>
+          <a:chOff x="0" y="0"/>
+          <a:chExt cx="0" cy="0"/>
+        </a:xfrm>
+      </p:grpSpPr>
+      <p:sp>
+        <p:nvSpPr>
+          <p:cNvPr id="2" name="Tittel 1">
+            <a:extLst>
+              <a:ext uri="{FF2B5EF4-FFF2-40B4-BE49-F238E27FC236}">
+                <a16:creationId xmlns:a16="http://schemas.microsoft.com/office/drawing/2014/main" id="{C3388F74-E12A-4B26-9602-2BDE6980E0CC}"/>
+              </a:ext>
+            </a:extLst>
+          </p:cNvPr>
+          <p:cNvSpPr>
+            <a:spLocks noGrp="1"/>
+          </p:cNvSpPr>
+          <p:nvPr>
+            <p:ph type="title"/>
+          </p:nvPr>
+        </p:nvSpPr>
+        <p:spPr/>
+        <p:txBody>
+          <a:bodyPr/>
+          <a:lstStyle/>
+          <a:p>
+            <a:r>
+              <a:rPr lang="nb-NO"/>
+              <a:t>The Titanic case</a:t>
+            </a:r>
+          </a:p>
+        </p:txBody>
+      </p:sp>
+      <p:sp>
+        <p:nvSpPr>
+          <p:cNvPr id="3" name="Plassholder for innhold 2">
+            <a:extLst>
+              <a:ext uri="{FF2B5EF4-FFF2-40B4-BE49-F238E27FC236}">
+                <a16:creationId xmlns:a16="http://schemas.microsoft.com/office/drawing/2014/main" id="{EEA43314-88F2-43BD-B711-736BFD50DDA2}"/>
+              </a:ext>
+            </a:extLst>
+          </p:cNvPr>
+          <p:cNvSpPr>
+            <a:spLocks noGrp="1"/>
+          </p:cNvSpPr>
+          <p:nvPr>
+            <p:ph idx="1"/>
+          </p:nvPr>
+        </p:nvSpPr>
+        <p:spPr/>
+        <p:txBody>
+          <a:bodyPr/>
+          <a:lstStyle/>
+          <a:p>
+            <a:r>
+              <a:rPr lang="nb-NO"/>
+              <a:t>A getting-started competition at </a:t>
+            </a:r>
+            <a:r>
+              <a:rPr lang="nb-NO" b="1"/>
+              <a:t>Kaggle:</a:t>
+            </a:r>
+            <a:r>
+              <a:rPr lang="nb-NO"/>
+              <a:t> </a:t>
+            </a:r>
+            <a:r>
+              <a:rPr lang="nb-NO">
+                <a:hlinkClick r:id="rId2"/>
+              </a:rPr>
+              <a:t>https://www.kaggle.com/c/titanic</a:t>
+            </a:r>
+            <a:endParaRPr lang="nb-NO"/>
+          </a:p>
+          <a:p>
+            <a:r>
+              <a:rPr lang="nb-NO"/>
+              <a:t>The case: Predicting who will die in the Titanic disaster.</a:t>
+            </a:r>
+          </a:p>
+        </p:txBody>
+      </p:sp>
+    </p:spTree>
+    <p:extLst>
+      <p:ext uri="{BB962C8B-B14F-4D97-AF65-F5344CB8AC3E}">
+        <p14:creationId xmlns:p14="http://schemas.microsoft.com/office/powerpoint/2010/main" val="2295745860"/>
+      </p:ext>
+    </p:extLst>
+  </p:cSld>
+  <p:clrMapOvr>
+    <a:masterClrMapping/>
+  </p:clrMapOvr>
+</p:sld>
+</file>
+
+<file path=ppt/slides/slide21.xml><?xml version="1.0" encoding="utf-8"?>
+<p:sld xmlns:a="http://schemas.openxmlformats.org/drawingml/2006/main" xmlns:r="http://schemas.openxmlformats.org/officeDocument/2006/relationships" xmlns:p="http://schemas.openxmlformats.org/presentationml/2006/main">
+  <p:cSld>
+    <p:spTree>
+      <p:nvGrpSpPr>
+        <p:cNvPr id="1" name=""/>
+        <p:cNvGrpSpPr/>
+        <p:nvPr/>
+      </p:nvGrpSpPr>
+      <p:grpSpPr>
+        <a:xfrm>
+          <a:off x="0" y="0"/>
+          <a:ext cx="0" cy="0"/>
+          <a:chOff x="0" y="0"/>
+          <a:chExt cx="0" cy="0"/>
+        </a:xfrm>
+      </p:grpSpPr>
+      <p:sp>
+        <p:nvSpPr>
+          <p:cNvPr id="2" name="Tittel 1">
+            <a:extLst>
+              <a:ext uri="{FF2B5EF4-FFF2-40B4-BE49-F238E27FC236}">
+                <a16:creationId xmlns:a16="http://schemas.microsoft.com/office/drawing/2014/main" id="{199E58A6-63F1-41D2-B5EC-0A4697C6E3A2}"/>
+              </a:ext>
+            </a:extLst>
+          </p:cNvPr>
+          <p:cNvSpPr>
+            <a:spLocks noGrp="1"/>
+          </p:cNvSpPr>
+          <p:nvPr>
+            <p:ph type="title"/>
+          </p:nvPr>
+        </p:nvSpPr>
+        <p:spPr/>
+        <p:txBody>
+          <a:bodyPr/>
+          <a:lstStyle/>
+          <a:p>
+            <a:r>
+              <a:rPr lang="nb-NO"/>
+              <a:t>Agenda</a:t>
+            </a:r>
+          </a:p>
+        </p:txBody>
+      </p:sp>
+      <p:sp>
+        <p:nvSpPr>
+          <p:cNvPr id="3" name="Plassholder for innhold 2">
+            <a:extLst>
+              <a:ext uri="{FF2B5EF4-FFF2-40B4-BE49-F238E27FC236}">
+                <a16:creationId xmlns:a16="http://schemas.microsoft.com/office/drawing/2014/main" id="{871189EF-BA0D-4924-A6A1-7E2FC89328CD}"/>
+              </a:ext>
+            </a:extLst>
+          </p:cNvPr>
+          <p:cNvSpPr>
+            <a:spLocks noGrp="1"/>
+          </p:cNvSpPr>
+          <p:nvPr>
+            <p:ph idx="1"/>
+          </p:nvPr>
+        </p:nvSpPr>
+        <p:spPr/>
+        <p:txBody>
+          <a:bodyPr/>
+          <a:lstStyle/>
+          <a:p>
+            <a:pPr marL="0" indent="0">
+              <a:buNone/>
+            </a:pPr>
+            <a:r>
+              <a:rPr lang="nb-NO"/>
+              <a:t>0.   The What, Why and How of Python</a:t>
+            </a:r>
+          </a:p>
+          <a:p>
+            <a:pPr marL="514350" indent="-514350">
+              <a:buFont typeface="+mj-lt"/>
+              <a:buAutoNum type="arabicPeriod"/>
+            </a:pPr>
+            <a:r>
+              <a:rPr lang="nb-NO"/>
+              <a:t>Python download and setup</a:t>
+            </a:r>
+          </a:p>
+          <a:p>
+            <a:pPr marL="514350" indent="-514350">
+              <a:buFont typeface="+mj-lt"/>
+              <a:buAutoNum type="arabicPeriod"/>
+            </a:pPr>
+            <a:r>
+              <a:rPr lang="nb-NO"/>
+              <a:t>Jupyter Notebook</a:t>
+            </a:r>
+          </a:p>
+          <a:p>
+            <a:pPr marL="514350" indent="-514350">
+              <a:buFont typeface="+mj-lt"/>
+              <a:buAutoNum type="arabicPeriod"/>
+            </a:pPr>
+            <a:r>
+              <a:rPr lang="nb-NO"/>
+              <a:t>Basic Python syntax</a:t>
+            </a:r>
+          </a:p>
+          <a:p>
+            <a:pPr marL="514350" indent="-514350">
+              <a:buFont typeface="+mj-lt"/>
+              <a:buAutoNum type="arabicPeriod"/>
+            </a:pPr>
+            <a:r>
+              <a:rPr lang="nb-NO"/>
+              <a:t>Core data science libraries</a:t>
+            </a:r>
+          </a:p>
+          <a:p>
+            <a:pPr marL="514350" indent="-514350">
+              <a:buFont typeface="+mj-lt"/>
+              <a:buAutoNum type="arabicPeriod"/>
+            </a:pPr>
+            <a:r>
+              <a:rPr lang="nb-NO"/>
+              <a:t>Machine learning case</a:t>
+            </a:r>
+          </a:p>
+          <a:p>
+            <a:pPr marL="514350" indent="-514350">
+              <a:buFont typeface="+mj-lt"/>
+              <a:buAutoNum type="arabicPeriod"/>
+            </a:pPr>
+            <a:r>
+              <a:rPr lang="nb-NO" b="1"/>
+              <a:t>Brief introduction to NLP</a:t>
+            </a:r>
+            <a:r>
+              <a:rPr lang="nb-NO"/>
+              <a:t> </a:t>
+            </a:r>
+            <a:r>
+              <a:rPr lang="nb-NO" b="1"/>
+              <a:t>(if time)</a:t>
+            </a:r>
+          </a:p>
+          <a:p>
+            <a:pPr marL="514350" indent="-514350">
+              <a:buFont typeface="+mj-lt"/>
+              <a:buAutoNum type="arabicPeriod"/>
+            </a:pPr>
+            <a:endParaRPr lang="nb-NO"/>
+          </a:p>
+          <a:p>
+            <a:pPr marL="514350" indent="-514350">
+              <a:buFont typeface="+mj-lt"/>
+              <a:buAutoNum type="arabicPeriod"/>
+            </a:pPr>
+            <a:endParaRPr lang="nb-NO"/>
+          </a:p>
+        </p:txBody>
+      </p:sp>
+    </p:spTree>
+    <p:extLst>
+      <p:ext uri="{BB962C8B-B14F-4D97-AF65-F5344CB8AC3E}">
+        <p14:creationId xmlns:p14="http://schemas.microsoft.com/office/powerpoint/2010/main" val="1436263778"/>
+      </p:ext>
+    </p:extLst>
+  </p:cSld>
+  <p:clrMapOvr>
+    <a:masterClrMapping/>
+  </p:clrMapOvr>
+</p:sld>
+</file>
+
+<file path=ppt/slides/slide22.xml><?xml version="1.0" encoding="utf-8"?>
+<p:sld xmlns:a="http://schemas.openxmlformats.org/drawingml/2006/main" xmlns:r="http://schemas.openxmlformats.org/officeDocument/2006/relationships" xmlns:p="http://schemas.openxmlformats.org/presentationml/2006/main">
+  <p:cSld>
+    <p:spTree>
+      <p:nvGrpSpPr>
+        <p:cNvPr id="1" name=""/>
+        <p:cNvGrpSpPr/>
+        <p:nvPr/>
+      </p:nvGrpSpPr>
+      <p:grpSpPr>
+        <a:xfrm>
+          <a:off x="0" y="0"/>
+          <a:ext cx="0" cy="0"/>
+          <a:chOff x="0" y="0"/>
+          <a:chExt cx="0" cy="0"/>
+        </a:xfrm>
+      </p:grpSpPr>
+      <p:sp>
+        <p:nvSpPr>
+          <p:cNvPr id="2" name="Tittel 1">
+            <a:extLst>
+              <a:ext uri="{FF2B5EF4-FFF2-40B4-BE49-F238E27FC236}">
+                <a16:creationId xmlns:a16="http://schemas.microsoft.com/office/drawing/2014/main" id="{62471A70-191A-4EC8-BA6D-AA5A0F9515C3}"/>
+              </a:ext>
+            </a:extLst>
+          </p:cNvPr>
+          <p:cNvSpPr>
+            <a:spLocks noGrp="1"/>
+          </p:cNvSpPr>
+          <p:nvPr>
+            <p:ph type="title"/>
+          </p:nvPr>
+        </p:nvSpPr>
+        <p:spPr/>
+        <p:txBody>
+          <a:bodyPr/>
+          <a:lstStyle/>
+          <a:p>
+            <a:r>
+              <a:rPr lang="nb-NO"/>
+              <a:t>Natural Language Processing (NLP)</a:t>
+            </a:r>
+          </a:p>
+        </p:txBody>
+      </p:sp>
+      <p:sp>
+        <p:nvSpPr>
+          <p:cNvPr id="3" name="Plassholder for innhold 2">
+            <a:extLst>
+              <a:ext uri="{FF2B5EF4-FFF2-40B4-BE49-F238E27FC236}">
+                <a16:creationId xmlns:a16="http://schemas.microsoft.com/office/drawing/2014/main" id="{ED9A4533-AA79-411B-A15C-237B631E6B1E}"/>
+              </a:ext>
+            </a:extLst>
+          </p:cNvPr>
+          <p:cNvSpPr>
+            <a:spLocks noGrp="1"/>
+          </p:cNvSpPr>
+          <p:nvPr>
+            <p:ph idx="1"/>
+          </p:nvPr>
+        </p:nvSpPr>
+        <p:spPr/>
+        <p:txBody>
+          <a:bodyPr/>
+          <a:lstStyle/>
+          <a:p>
+            <a:r>
+              <a:rPr lang="nb-NO"/>
+              <a:t>Using algorithms to «understand» text.</a:t>
+            </a:r>
+          </a:p>
+          <a:p>
+            <a:r>
+              <a:rPr lang="nb-NO"/>
+              <a:t>Some popular packages:</a:t>
+            </a:r>
+          </a:p>
+          <a:p>
+            <a:pPr lvl="1"/>
+            <a:r>
+              <a:rPr lang="nb-NO" b="1"/>
+              <a:t>gensim </a:t>
+            </a:r>
+            <a:r>
+              <a:rPr lang="nb-NO"/>
+              <a:t>for finding words with similar meanings. Implements the </a:t>
+            </a:r>
+            <a:r>
+              <a:rPr lang="nb-NO" b="1"/>
+              <a:t>Word2vec </a:t>
+            </a:r>
+            <a:r>
+              <a:rPr lang="nb-NO"/>
+              <a:t>algorithm.</a:t>
+            </a:r>
+          </a:p>
+          <a:p>
+            <a:pPr lvl="1"/>
+            <a:r>
+              <a:rPr lang="nb-NO" b="1"/>
+              <a:t>NLTK </a:t>
+            </a:r>
+            <a:r>
+              <a:rPr lang="nb-NO"/>
+              <a:t>(Natural Language Toolkit)</a:t>
+            </a:r>
+            <a:r>
+              <a:rPr lang="nb-NO" b="1"/>
+              <a:t> </a:t>
+            </a:r>
+            <a:r>
+              <a:rPr lang="nb-NO"/>
+              <a:t>for text processing and test data.</a:t>
+            </a:r>
+            <a:endParaRPr lang="nb-NO" b="1"/>
+          </a:p>
+          <a:p>
+            <a:pPr lvl="1"/>
+            <a:r>
+              <a:rPr lang="nb-NO"/>
+              <a:t>There are many others…</a:t>
+            </a:r>
+          </a:p>
+        </p:txBody>
+      </p:sp>
+    </p:spTree>
+    <p:extLst>
+      <p:ext uri="{BB962C8B-B14F-4D97-AF65-F5344CB8AC3E}">
+        <p14:creationId xmlns:p14="http://schemas.microsoft.com/office/powerpoint/2010/main" val="2312942980"/>
       </p:ext>
     </p:extLst>
   </p:cSld>
@@ -3673,7 +5643,7 @@
             </a:pPr>
             <a:r>
               <a:rPr lang="nb-NO"/>
-              <a:t>Brief introduction to NLP</a:t>
+              <a:t>Brief introduction to NLP (if time)</a:t>
             </a:r>
           </a:p>
           <a:p>
@@ -3738,7 +5708,12 @@
             <p:ph type="title"/>
           </p:nvPr>
         </p:nvSpPr>
-        <p:spPr/>
+        <p:spPr>
+          <a:xfrm>
+            <a:off x="838200" y="365125"/>
+            <a:ext cx="10515600" cy="1325563"/>
+          </a:xfrm>
+        </p:spPr>
         <p:txBody>
           <a:bodyPr/>
           <a:lstStyle/>
@@ -3766,7 +5741,12 @@
             <p:ph idx="1"/>
           </p:nvPr>
         </p:nvSpPr>
-        <p:spPr/>
+        <p:spPr>
+          <a:xfrm>
+            <a:off x="838200" y="1825625"/>
+            <a:ext cx="10515600" cy="4351338"/>
+          </a:xfrm>
+        </p:spPr>
         <p:txBody>
           <a:bodyPr/>
           <a:lstStyle/>
@@ -3806,6 +5786,98 @@
           </a:p>
         </p:txBody>
       </p:sp>
+      <p:sp>
+        <p:nvSpPr>
+          <p:cNvPr id="5" name="AutoShape 4" descr="Bilderesultat for python logo">
+            <a:extLst>
+              <a:ext uri="{FF2B5EF4-FFF2-40B4-BE49-F238E27FC236}">
+                <a16:creationId xmlns:a16="http://schemas.microsoft.com/office/drawing/2014/main" id="{DAC7C60A-EEFF-438B-AFBF-A438F9982853}"/>
+              </a:ext>
+            </a:extLst>
+          </p:cNvPr>
+          <p:cNvSpPr>
+            <a:spLocks noChangeAspect="1" noChangeArrowheads="1"/>
+          </p:cNvSpPr>
+          <p:nvPr/>
+        </p:nvSpPr>
+        <p:spPr bwMode="auto">
+          <a:xfrm>
+            <a:off x="5943600" y="3276600"/>
+            <a:ext cx="304800" cy="304800"/>
+          </a:xfrm>
+          <a:prstGeom prst="rect">
+            <a:avLst/>
+          </a:prstGeom>
+          <a:noFill/>
+          <a:extLst>
+            <a:ext uri="{909E8E84-426E-40DD-AFC4-6F175D3DCCD1}">
+              <a14:hiddenFill xmlns:a14="http://schemas.microsoft.com/office/drawing/2010/main">
+                <a:solidFill>
+                  <a:srgbClr val="FFFFFF"/>
+                </a:solidFill>
+              </a14:hiddenFill>
+            </a:ext>
+          </a:extLst>
+        </p:spPr>
+        <p:txBody>
+          <a:bodyPr vert="horz" wrap="square" lIns="91440" tIns="45720" rIns="91440" bIns="45720" numCol="1" anchor="t" anchorCtr="0" compatLnSpc="1">
+            <a:prstTxWarp prst="textNoShape">
+              <a:avLst/>
+            </a:prstTxWarp>
+          </a:bodyPr>
+          <a:lstStyle/>
+          <a:p>
+            <a:endParaRPr lang="nb-NO"/>
+          </a:p>
+        </p:txBody>
+      </p:sp>
+      <p:pic>
+        <p:nvPicPr>
+          <p:cNvPr id="3080" name="Picture 8" descr="Bilderesultat for python logo">
+            <a:extLst>
+              <a:ext uri="{FF2B5EF4-FFF2-40B4-BE49-F238E27FC236}">
+                <a16:creationId xmlns:a16="http://schemas.microsoft.com/office/drawing/2014/main" id="{893A8B9C-26DE-4422-9E92-ACE2A33F3FAD}"/>
+              </a:ext>
+            </a:extLst>
+          </p:cNvPr>
+          <p:cNvPicPr>
+            <a:picLocks noChangeAspect="1" noChangeArrowheads="1"/>
+          </p:cNvPicPr>
+          <p:nvPr/>
+        </p:nvPicPr>
+        <p:blipFill>
+          <a:blip r:embed="rId2">
+            <a:extLst>
+              <a:ext uri="{28A0092B-C50C-407E-A947-70E740481C1C}">
+                <a14:useLocalDpi xmlns:a14="http://schemas.microsoft.com/office/drawing/2010/main" val="0"/>
+              </a:ext>
+            </a:extLst>
+          </a:blip>
+          <a:srcRect/>
+          <a:stretch>
+            <a:fillRect/>
+          </a:stretch>
+        </p:blipFill>
+        <p:spPr bwMode="auto">
+          <a:xfrm>
+            <a:off x="4991100" y="3860683"/>
+            <a:ext cx="1905000" cy="1905000"/>
+          </a:xfrm>
+          <a:prstGeom prst="rect">
+            <a:avLst/>
+          </a:prstGeom>
+          <a:noFill/>
+          <a:extLst>
+            <a:ext uri="{909E8E84-426E-40DD-AFC4-6F175D3DCCD1}">
+              <a14:hiddenFill xmlns:a14="http://schemas.microsoft.com/office/drawing/2010/main">
+                <a:solidFill>
+                  <a:srgbClr val="FFFFFF"/>
+                </a:solidFill>
+              </a14:hiddenFill>
+            </a:ext>
+          </a:extLst>
+        </p:spPr>
+      </p:pic>
     </p:spTree>
     <p:extLst>
       <p:ext uri="{BB962C8B-B14F-4D97-AF65-F5344CB8AC3E}">
@@ -4012,7 +6084,12 @@
             <p:ph type="title"/>
           </p:nvPr>
         </p:nvSpPr>
-        <p:spPr/>
+        <p:spPr>
+          <a:xfrm>
+            <a:off x="838200" y="365125"/>
+            <a:ext cx="10515600" cy="1325563"/>
+          </a:xfrm>
+        </p:spPr>
         <p:txBody>
           <a:bodyPr/>
           <a:lstStyle/>
@@ -4040,7 +6117,12 @@
             <p:ph idx="1"/>
           </p:nvPr>
         </p:nvSpPr>
-        <p:spPr/>
+        <p:spPr>
+          <a:xfrm>
+            <a:off x="838200" y="1825625"/>
+            <a:ext cx="10515600" cy="4351338"/>
+          </a:xfrm>
+        </p:spPr>
         <p:txBody>
           <a:bodyPr/>
           <a:lstStyle/>
@@ -4098,7 +6180,12 @@
             <p:ph type="title"/>
           </p:nvPr>
         </p:nvSpPr>
-        <p:spPr/>
+        <p:spPr>
+          <a:xfrm>
+            <a:off x="838200" y="365125"/>
+            <a:ext cx="10515600" cy="1325563"/>
+          </a:xfrm>
+        </p:spPr>
         <p:txBody>
           <a:bodyPr/>
           <a:lstStyle/>
@@ -4126,7 +6213,12 @@
             <p:ph idx="1"/>
           </p:nvPr>
         </p:nvSpPr>
-        <p:spPr/>
+        <p:spPr>
+          <a:xfrm>
+            <a:off x="838200" y="1825625"/>
+            <a:ext cx="10515600" cy="4351338"/>
+          </a:xfrm>
+        </p:spPr>
         <p:txBody>
           <a:bodyPr/>
           <a:lstStyle/>
@@ -4196,7 +6288,7 @@
             </a:pPr>
             <a:r>
               <a:rPr lang="nb-NO"/>
-              <a:t>Brief introduction to NLP</a:t>
+              <a:t>Brief introduction to NLP (if time)</a:t>
             </a:r>
           </a:p>
           <a:p>
@@ -4261,7 +6353,12 @@
             <p:ph type="title"/>
           </p:nvPr>
         </p:nvSpPr>
-        <p:spPr/>
+        <p:spPr>
+          <a:xfrm>
+            <a:off x="838200" y="365125"/>
+            <a:ext cx="10515600" cy="1325563"/>
+          </a:xfrm>
+        </p:spPr>
         <p:txBody>
           <a:bodyPr/>
           <a:lstStyle/>
@@ -4289,7 +6386,12 @@
             <p:ph idx="1"/>
           </p:nvPr>
         </p:nvSpPr>
-        <p:spPr/>
+        <p:spPr>
+          <a:xfrm>
+            <a:off x="838200" y="1825625"/>
+            <a:ext cx="10515600" cy="4038280"/>
+          </a:xfrm>
+        </p:spPr>
         <p:txBody>
           <a:bodyPr/>
           <a:lstStyle/>
@@ -4345,7 +6447,27 @@
               </a:rPr>
               <a:t>https://conda.io/docs/_downloads/conda-cheatsheet.pdf</a:t>
             </a:r>
-            <a:endParaRPr lang="nb-NO"/>
+            <a:endParaRPr lang="nb-NO" u="sng"/>
+          </a:p>
+          <a:p>
+            <a:r>
+              <a:rPr lang="nb-NO"/>
+              <a:t>Add Python manually to path</a:t>
+            </a:r>
+          </a:p>
+          <a:p>
+            <a:pPr lvl="1"/>
+            <a:r>
+              <a:rPr lang="nb-NO"/>
+              <a:t>Something like C:\ProgramData\Anaconda3 </a:t>
+            </a:r>
+            <a:br>
+              <a:rPr lang="nb-NO"/>
+            </a:br>
+            <a:r>
+              <a:rPr lang="nb-NO"/>
+              <a:t>and C:\ProgramData\Anaconda3\Scripts</a:t>
+            </a:r>
           </a:p>
           <a:p>
             <a:pPr lvl="1"/>
@@ -4356,6 +6478,83 @@
           </a:p>
         </p:txBody>
       </p:sp>
+      <p:pic>
+        <p:nvPicPr>
+          <p:cNvPr id="2050" name="Picture 2" descr="Bilderesultat for anaconda distribution">
+            <a:extLst>
+              <a:ext uri="{FF2B5EF4-FFF2-40B4-BE49-F238E27FC236}">
+                <a16:creationId xmlns:a16="http://schemas.microsoft.com/office/drawing/2014/main" id="{076EB2E0-2194-4CF2-9B36-78D811ABB5B8}"/>
+              </a:ext>
+            </a:extLst>
+          </p:cNvPr>
+          <p:cNvPicPr>
+            <a:picLocks noChangeAspect="1" noChangeArrowheads="1"/>
+          </p:cNvPicPr>
+          <p:nvPr/>
+        </p:nvPicPr>
+        <p:blipFill>
+          <a:blip r:embed="rId4">
+            <a:extLst>
+              <a:ext uri="{28A0092B-C50C-407E-A947-70E740481C1C}">
+                <a14:useLocalDpi xmlns:a14="http://schemas.microsoft.com/office/drawing/2010/main" val="0"/>
+              </a:ext>
+            </a:extLst>
+          </a:blip>
+          <a:srcRect/>
+          <a:stretch>
+            <a:fillRect/>
+          </a:stretch>
+        </p:blipFill>
+        <p:spPr bwMode="auto">
+          <a:xfrm>
+            <a:off x="8140600" y="365125"/>
+            <a:ext cx="2300356" cy="1147605"/>
+          </a:xfrm>
+          <a:prstGeom prst="rect">
+            <a:avLst/>
+          </a:prstGeom>
+          <a:noFill/>
+          <a:extLst>
+            <a:ext uri="{909E8E84-426E-40DD-AFC4-6F175D3DCCD1}">
+              <a14:hiddenFill xmlns:a14="http://schemas.microsoft.com/office/drawing/2010/main">
+                <a:solidFill>
+                  <a:srgbClr val="FFFFFF"/>
+                </a:solidFill>
+              </a14:hiddenFill>
+            </a:ext>
+          </a:extLst>
+        </p:spPr>
+      </p:pic>
+      <p:pic>
+        <p:nvPicPr>
+          <p:cNvPr id="5" name="Bilde 4">
+            <a:extLst>
+              <a:ext uri="{FF2B5EF4-FFF2-40B4-BE49-F238E27FC236}">
+                <a16:creationId xmlns:a16="http://schemas.microsoft.com/office/drawing/2014/main" id="{502B7A26-BC2A-48A1-B1E7-D1916B5F9F52}"/>
+              </a:ext>
+            </a:extLst>
+          </p:cNvPr>
+          <p:cNvPicPr>
+            <a:picLocks noChangeAspect="1"/>
+          </p:cNvPicPr>
+          <p:nvPr/>
+        </p:nvPicPr>
+        <p:blipFill>
+          <a:blip r:embed="rId5"/>
+          <a:stretch>
+            <a:fillRect/>
+          </a:stretch>
+        </p:blipFill>
+        <p:spPr>
+          <a:xfrm>
+            <a:off x="7616033" y="4374174"/>
+            <a:ext cx="2908908" cy="2270938"/>
+          </a:xfrm>
+          <a:prstGeom prst="rect">
+            <a:avLst/>
+          </a:prstGeom>
+        </p:spPr>
+      </p:pic>
     </p:spTree>
     <p:extLst>
       <p:ext uri="{BB962C8B-B14F-4D97-AF65-F5344CB8AC3E}">
